--- a/docs/diagrams/ModelComponentClassDiagram.pptx
+++ b/docs/diagrams/ModelComponentClassDiagram.pptx
@@ -126,6 +126,10 @@
 </p:presentation>
 </file>
 
+<file path=ppt/revisionInfo.xml><?xml version="1.0" encoding="utf-8"?>
+<p1510:revInfo xmlns:a="http://schemas.openxmlformats.org/drawingml/2006/main" xmlns:r="http://schemas.openxmlformats.org/officeDocument/2006/relationships" xmlns:p1510="http://schemas.microsoft.com/office/powerpoint/2015/10/main"/>
+</file>
+
 <file path=ppt/notesMasters/notesMaster1.xml><?xml version="1.0" encoding="utf-8"?>
 <p:notesMaster xmlns:a="http://schemas.openxmlformats.org/drawingml/2006/main" xmlns:r="http://schemas.openxmlformats.org/officeDocument/2006/relationships" xmlns:p="http://schemas.openxmlformats.org/presentationml/2006/main">
   <p:cSld>
@@ -208,7 +212,7 @@
           <a:p>
             <a:fld id="{F5CC4B3F-88C1-4FFA-B1B6-F41C21DC6924}" type="datetimeFigureOut">
               <a:rPr lang="en-US" smtClean="0"/>
-              <a:t>12/5/2018</a:t>
+              <a:t>14-Apr-19</a:t>
             </a:fld>
             <a:endParaRPr lang="en-US"/>
           </a:p>
@@ -654,7 +658,7 @@
           <a:p>
             <a:fld id="{78C97017-6FC3-485B-9764-EAC9E56C1D49}" type="datetimeFigureOut">
               <a:rPr lang="en-US" smtClean="0"/>
-              <a:t>12/5/2018</a:t>
+              <a:t>14-Apr-19</a:t>
             </a:fld>
             <a:endParaRPr lang="en-US"/>
           </a:p>
@@ -822,7 +826,7 @@
           <a:p>
             <a:fld id="{78C97017-6FC3-485B-9764-EAC9E56C1D49}" type="datetimeFigureOut">
               <a:rPr lang="en-US" smtClean="0"/>
-              <a:t>12/5/2018</a:t>
+              <a:t>14-Apr-19</a:t>
             </a:fld>
             <a:endParaRPr lang="en-US"/>
           </a:p>
@@ -1000,7 +1004,7 @@
           <a:p>
             <a:fld id="{78C97017-6FC3-485B-9764-EAC9E56C1D49}" type="datetimeFigureOut">
               <a:rPr lang="en-US" smtClean="0"/>
-              <a:t>12/5/2018</a:t>
+              <a:t>14-Apr-19</a:t>
             </a:fld>
             <a:endParaRPr lang="en-US"/>
           </a:p>
@@ -1168,7 +1172,7 @@
           <a:p>
             <a:fld id="{78C97017-6FC3-485B-9764-EAC9E56C1D49}" type="datetimeFigureOut">
               <a:rPr lang="en-US" smtClean="0"/>
-              <a:t>12/5/2018</a:t>
+              <a:t>14-Apr-19</a:t>
             </a:fld>
             <a:endParaRPr lang="en-US"/>
           </a:p>
@@ -1413,7 +1417,7 @@
           <a:p>
             <a:fld id="{78C97017-6FC3-485B-9764-EAC9E56C1D49}" type="datetimeFigureOut">
               <a:rPr lang="en-US" smtClean="0"/>
-              <a:t>12/5/2018</a:t>
+              <a:t>14-Apr-19</a:t>
             </a:fld>
             <a:endParaRPr lang="en-US"/>
           </a:p>
@@ -1698,7 +1702,7 @@
           <a:p>
             <a:fld id="{78C97017-6FC3-485B-9764-EAC9E56C1D49}" type="datetimeFigureOut">
               <a:rPr lang="en-US" smtClean="0"/>
-              <a:t>12/5/2018</a:t>
+              <a:t>14-Apr-19</a:t>
             </a:fld>
             <a:endParaRPr lang="en-US"/>
           </a:p>
@@ -2117,7 +2121,7 @@
           <a:p>
             <a:fld id="{78C97017-6FC3-485B-9764-EAC9E56C1D49}" type="datetimeFigureOut">
               <a:rPr lang="en-US" smtClean="0"/>
-              <a:t>12/5/2018</a:t>
+              <a:t>14-Apr-19</a:t>
             </a:fld>
             <a:endParaRPr lang="en-US"/>
           </a:p>
@@ -2234,7 +2238,7 @@
           <a:p>
             <a:fld id="{78C97017-6FC3-485B-9764-EAC9E56C1D49}" type="datetimeFigureOut">
               <a:rPr lang="en-US" smtClean="0"/>
-              <a:t>12/5/2018</a:t>
+              <a:t>14-Apr-19</a:t>
             </a:fld>
             <a:endParaRPr lang="en-US"/>
           </a:p>
@@ -2329,7 +2333,7 @@
           <a:p>
             <a:fld id="{78C97017-6FC3-485B-9764-EAC9E56C1D49}" type="datetimeFigureOut">
               <a:rPr lang="en-US" smtClean="0"/>
-              <a:t>12/5/2018</a:t>
+              <a:t>14-Apr-19</a:t>
             </a:fld>
             <a:endParaRPr lang="en-US"/>
           </a:p>
@@ -2604,7 +2608,7 @@
           <a:p>
             <a:fld id="{78C97017-6FC3-485B-9764-EAC9E56C1D49}" type="datetimeFigureOut">
               <a:rPr lang="en-US" smtClean="0"/>
-              <a:t>12/5/2018</a:t>
+              <a:t>14-Apr-19</a:t>
             </a:fld>
             <a:endParaRPr lang="en-US"/>
           </a:p>
@@ -2856,7 +2860,7 @@
           <a:p>
             <a:fld id="{78C97017-6FC3-485B-9764-EAC9E56C1D49}" type="datetimeFigureOut">
               <a:rPr lang="en-US" smtClean="0"/>
-              <a:t>12/5/2018</a:t>
+              <a:t>14-Apr-19</a:t>
             </a:fld>
             <a:endParaRPr lang="en-US"/>
           </a:p>
@@ -3067,7 +3071,7 @@
           <a:p>
             <a:fld id="{78C97017-6FC3-485B-9764-EAC9E56C1D49}" type="datetimeFigureOut">
               <a:rPr lang="en-US" smtClean="0"/>
-              <a:t>12/5/2018</a:t>
+              <a:t>14-Apr-19</a:t>
             </a:fld>
             <a:endParaRPr lang="en-US"/>
           </a:p>
@@ -3450,8 +3454,8 @@
         </p:nvSpPr>
         <p:spPr>
           <a:xfrm>
-            <a:off x="1119865" y="1600200"/>
-            <a:ext cx="7490735" cy="3124200"/>
+            <a:off x="1006155" y="1567231"/>
+            <a:ext cx="7758959" cy="3124200"/>
           </a:xfrm>
           <a:prstGeom prst="roundRect">
             <a:avLst>
@@ -3997,7 +4001,7 @@
                   <a:srgbClr val="7030A0"/>
                 </a:solidFill>
               </a:rPr>
-              <a:t>VersionedAddressBook</a:t>
+              <a:t>VersionedEntriesBook</a:t>
             </a:r>
             <a:endParaRPr lang="en-SG" sz="1050" dirty="0">
               <a:solidFill>
@@ -4132,14 +4136,14 @@
           <a:bodyPr rtlCol="0" anchor="ctr"/>
           <a:lstStyle/>
           <a:p>
-            <a:pPr algn="ctr"/>
+            <a:pPr algn="r"/>
             <a:r>
               <a:rPr lang="en-US" sz="1050" dirty="0" err="1">
                 <a:solidFill>
                   <a:srgbClr val="7030A0"/>
                 </a:solidFill>
               </a:rPr>
-              <a:t>UniquePersonList</a:t>
+              <a:t>UniqueEntryList</a:t>
             </a:r>
             <a:endParaRPr lang="en-SG" sz="1050" dirty="0">
               <a:solidFill>
@@ -4242,7 +4246,7 @@
                   <a:srgbClr val="7030A0"/>
                 </a:solidFill>
               </a:rPr>
-              <a:t>Person</a:t>
+              <a:t>Entry</a:t>
             </a:r>
             <a:endParaRPr lang="en-SG" sz="1050" dirty="0">
               <a:solidFill>
@@ -4346,7 +4350,7 @@
         </p:nvSpPr>
         <p:spPr>
           <a:xfrm>
-            <a:off x="7712397" y="2564238"/>
+            <a:off x="7892321" y="2806353"/>
             <a:ext cx="708186" cy="285783"/>
           </a:xfrm>
           <a:prstGeom prst="rect">
@@ -4402,7 +4406,7 @@
         </p:nvSpPr>
         <p:spPr>
           <a:xfrm>
-            <a:off x="7041947" y="2948201"/>
+            <a:off x="7042456" y="3003033"/>
             <a:ext cx="236048" cy="173380"/>
           </a:xfrm>
           <a:prstGeom prst="flowChartDecision">
@@ -4446,16 +4450,19 @@
           <p:cNvPr id="79" name="Elbow Connector 78"/>
           <p:cNvCxnSpPr>
             <a:cxnSpLocks/>
+            <a:endCxn id="76" idx="1"/>
           </p:cNvCxnSpPr>
           <p:nvPr/>
         </p:nvCxnSpPr>
         <p:spPr>
           <a:xfrm flipV="1">
-            <a:off x="7277995" y="2706821"/>
-            <a:ext cx="434402" cy="327761"/>
+            <a:off x="7381778" y="2949245"/>
+            <a:ext cx="510543" cy="139570"/>
           </a:xfrm>
           <a:prstGeom prst="bentConnector3">
-            <a:avLst/>
+            <a:avLst>
+              <a:gd name="adj1" fmla="val 40547"/>
+            </a:avLst>
           </a:prstGeom>
           <a:ln w="19050">
             <a:solidFill>
@@ -4489,7 +4496,7 @@
         </p:nvSpPr>
         <p:spPr>
           <a:xfrm>
-            <a:off x="7712397" y="2887216"/>
+            <a:off x="7892321" y="3129331"/>
             <a:ext cx="708186" cy="285783"/>
           </a:xfrm>
           <a:prstGeom prst="rect">
@@ -4527,7 +4534,7 @@
                   <a:srgbClr val="7030A0"/>
                 </a:solidFill>
               </a:rPr>
-              <a:t>Phone</a:t>
+              <a:t>Date</a:t>
             </a:r>
             <a:endParaRPr lang="en-SG" sz="1050" dirty="0">
               <a:solidFill>
@@ -4547,9 +4554,9 @@
           <p:nvPr/>
         </p:nvCxnSpPr>
         <p:spPr>
-          <a:xfrm flipV="1">
-            <a:off x="7277995" y="3030108"/>
-            <a:ext cx="434402" cy="4783"/>
+          <a:xfrm>
+            <a:off x="7278504" y="3089723"/>
+            <a:ext cx="613817" cy="182500"/>
           </a:xfrm>
           <a:prstGeom prst="bentConnector3">
             <a:avLst/>
@@ -4586,7 +4593,7 @@
         </p:nvSpPr>
         <p:spPr>
           <a:xfrm>
-            <a:off x="7712397" y="3210194"/>
+            <a:off x="7892321" y="3452309"/>
             <a:ext cx="708186" cy="285783"/>
           </a:xfrm>
           <a:prstGeom prst="rect">
@@ -4624,7 +4631,7 @@
                   <a:srgbClr val="7030A0"/>
                 </a:solidFill>
               </a:rPr>
-              <a:t>Email</a:t>
+              <a:t>Cashflow</a:t>
             </a:r>
             <a:endParaRPr lang="en-SG" sz="1050" dirty="0">
               <a:solidFill>
@@ -4645,105 +4652,8 @@
         </p:nvCxnSpPr>
         <p:spPr>
           <a:xfrm>
-            <a:off x="7277995" y="3034891"/>
-            <a:ext cx="434402" cy="318195"/>
-          </a:xfrm>
-          <a:prstGeom prst="bentConnector3">
-            <a:avLst/>
-          </a:prstGeom>
-          <a:ln w="19050">
-            <a:solidFill>
-              <a:srgbClr val="7030A0"/>
-            </a:solidFill>
-            <a:headEnd type="none" w="med" len="med"/>
-            <a:tailEnd type="arrow" w="med" len="med"/>
-          </a:ln>
-          <a:effectLst/>
-        </p:spPr>
-        <p:style>
-          <a:lnRef idx="1">
-            <a:schemeClr val="accent2"/>
-          </a:lnRef>
-          <a:fillRef idx="2">
-            <a:schemeClr val="accent2"/>
-          </a:fillRef>
-          <a:effectRef idx="1">
-            <a:schemeClr val="accent2"/>
-          </a:effectRef>
-          <a:fontRef idx="minor">
-            <a:schemeClr val="dk1"/>
-          </a:fontRef>
-        </p:style>
-      </p:cxnSp>
-      <p:sp>
-        <p:nvSpPr>
-          <p:cNvPr id="85" name="Rectangle 8"/>
-          <p:cNvSpPr/>
-          <p:nvPr/>
-        </p:nvSpPr>
-        <p:spPr>
-          <a:xfrm>
-            <a:off x="7712397" y="3533171"/>
-            <a:ext cx="708186" cy="285783"/>
-          </a:xfrm>
-          <a:prstGeom prst="rect">
-            <a:avLst/>
-          </a:prstGeom>
-          <a:ln w="19050">
-            <a:solidFill>
-              <a:srgbClr val="7030A0"/>
-            </a:solidFill>
-          </a:ln>
-          <a:effectLst/>
-        </p:spPr>
-        <p:style>
-          <a:lnRef idx="1">
-            <a:schemeClr val="accent4"/>
-          </a:lnRef>
-          <a:fillRef idx="2">
-            <a:schemeClr val="accent4"/>
-          </a:fillRef>
-          <a:effectRef idx="1">
-            <a:schemeClr val="accent4"/>
-          </a:effectRef>
-          <a:fontRef idx="minor">
-            <a:schemeClr val="dk1"/>
-          </a:fontRef>
-        </p:style>
-        <p:txBody>
-          <a:bodyPr rtlCol="0" anchor="ctr"/>
-          <a:lstStyle/>
-          <a:p>
-            <a:pPr algn="ctr"/>
-            <a:r>
-              <a:rPr lang="en-US" sz="1050" dirty="0">
-                <a:solidFill>
-                  <a:srgbClr val="7030A0"/>
-                </a:solidFill>
-              </a:rPr>
-              <a:t>Address</a:t>
-            </a:r>
-            <a:endParaRPr lang="en-SG" sz="1050" dirty="0">
-              <a:solidFill>
-                <a:srgbClr val="7030A0"/>
-              </a:solidFill>
-            </a:endParaRPr>
-          </a:p>
-        </p:txBody>
-      </p:sp>
-      <p:cxnSp>
-        <p:nvCxnSpPr>
-          <p:cNvPr id="86" name="Elbow Connector 85"/>
-          <p:cNvCxnSpPr>
-            <a:stCxn id="78" idx="3"/>
-            <a:endCxn id="85" idx="1"/>
-          </p:cNvCxnSpPr>
-          <p:nvPr/>
-        </p:nvCxnSpPr>
-        <p:spPr>
-          <a:xfrm>
-            <a:off x="7277995" y="3034891"/>
-            <a:ext cx="434402" cy="641172"/>
+            <a:off x="7278504" y="3089723"/>
+            <a:ext cx="613817" cy="505478"/>
           </a:xfrm>
           <a:prstGeom prst="bentConnector3">
             <a:avLst/>
@@ -4931,7 +4841,7 @@
                   <a:srgbClr val="7030A0"/>
                 </a:solidFill>
               </a:rPr>
-              <a:t>ReadOnlyAddressBook</a:t>
+              <a:t>ReadOnlyEntriesBook</a:t>
             </a:r>
             <a:endParaRPr lang="en-SG" sz="1050" dirty="0">
               <a:solidFill>
@@ -5302,7 +5212,7 @@
         </p:nvSpPr>
         <p:spPr>
           <a:xfrm>
-            <a:off x="7712397" y="2228817"/>
+            <a:off x="7892321" y="2470932"/>
             <a:ext cx="708186" cy="285783"/>
           </a:xfrm>
           <a:prstGeom prst="rect">
@@ -5368,12 +5278,12 @@
         </p:nvCxnSpPr>
         <p:spPr>
           <a:xfrm flipV="1">
-            <a:off x="7277995" y="2371709"/>
-            <a:ext cx="434402" cy="663182"/>
+            <a:off x="7278504" y="2613824"/>
+            <a:ext cx="613817" cy="475899"/>
           </a:xfrm>
           <a:prstGeom prst="bentConnector3">
             <a:avLst>
-              <a:gd name="adj1" fmla="val 50000"/>
+              <a:gd name="adj1" fmla="val 50001"/>
             </a:avLst>
           </a:prstGeom>
           <a:ln w="19050">
@@ -5414,7 +5324,7 @@
         </p:nvSpPr>
         <p:spPr>
           <a:xfrm>
-            <a:off x="7466243" y="2255711"/>
+            <a:off x="7646167" y="2497826"/>
             <a:ext cx="189257" cy="178683"/>
           </a:xfrm>
           <a:prstGeom prst="rect">
@@ -5491,7 +5401,7 @@
                   <a:srgbClr val="7030A0"/>
                 </a:solidFill>
               </a:rPr>
-              <a:t>AddressBook</a:t>
+              <a:t>EntriesBook</a:t>
             </a:r>
             <a:endParaRPr lang="en-SG" sz="1050" dirty="0">
               <a:solidFill>
